--- a/毕设/片段/图/搜索树.pptx
+++ b/毕设/片段/图/搜索树.pptx
@@ -254,7 +254,7 @@
           <a:p>
             <a:fld id="{9305D7AF-F472-4FBE-810E-D0F42CFBB6D2}" type="datetimeFigureOut">
               <a:rPr lang="zh-CN" altLang="en-US" smtClean="0"/>
-              <a:t>2015/6/9</a:t>
+              <a:t>2015/6/18</a:t>
             </a:fld>
             <a:endParaRPr lang="zh-CN" altLang="en-US"/>
           </a:p>
@@ -424,7 +424,7 @@
           <a:p>
             <a:fld id="{9305D7AF-F472-4FBE-810E-D0F42CFBB6D2}" type="datetimeFigureOut">
               <a:rPr lang="zh-CN" altLang="en-US" smtClean="0"/>
-              <a:t>2015/6/9</a:t>
+              <a:t>2015/6/18</a:t>
             </a:fld>
             <a:endParaRPr lang="zh-CN" altLang="en-US"/>
           </a:p>
@@ -604,7 +604,7 @@
           <a:p>
             <a:fld id="{9305D7AF-F472-4FBE-810E-D0F42CFBB6D2}" type="datetimeFigureOut">
               <a:rPr lang="zh-CN" altLang="en-US" smtClean="0"/>
-              <a:t>2015/6/9</a:t>
+              <a:t>2015/6/18</a:t>
             </a:fld>
             <a:endParaRPr lang="zh-CN" altLang="en-US"/>
           </a:p>
@@ -774,7 +774,7 @@
           <a:p>
             <a:fld id="{9305D7AF-F472-4FBE-810E-D0F42CFBB6D2}" type="datetimeFigureOut">
               <a:rPr lang="zh-CN" altLang="en-US" smtClean="0"/>
-              <a:t>2015/6/9</a:t>
+              <a:t>2015/6/18</a:t>
             </a:fld>
             <a:endParaRPr lang="zh-CN" altLang="en-US"/>
           </a:p>
@@ -1020,7 +1020,7 @@
           <a:p>
             <a:fld id="{9305D7AF-F472-4FBE-810E-D0F42CFBB6D2}" type="datetimeFigureOut">
               <a:rPr lang="zh-CN" altLang="en-US" smtClean="0"/>
-              <a:t>2015/6/9</a:t>
+              <a:t>2015/6/18</a:t>
             </a:fld>
             <a:endParaRPr lang="zh-CN" altLang="en-US"/>
           </a:p>
@@ -1252,7 +1252,7 @@
           <a:p>
             <a:fld id="{9305D7AF-F472-4FBE-810E-D0F42CFBB6D2}" type="datetimeFigureOut">
               <a:rPr lang="zh-CN" altLang="en-US" smtClean="0"/>
-              <a:t>2015/6/9</a:t>
+              <a:t>2015/6/18</a:t>
             </a:fld>
             <a:endParaRPr lang="zh-CN" altLang="en-US"/>
           </a:p>
@@ -1619,7 +1619,7 @@
           <a:p>
             <a:fld id="{9305D7AF-F472-4FBE-810E-D0F42CFBB6D2}" type="datetimeFigureOut">
               <a:rPr lang="zh-CN" altLang="en-US" smtClean="0"/>
-              <a:t>2015/6/9</a:t>
+              <a:t>2015/6/18</a:t>
             </a:fld>
             <a:endParaRPr lang="zh-CN" altLang="en-US"/>
           </a:p>
@@ -1737,7 +1737,7 @@
           <a:p>
             <a:fld id="{9305D7AF-F472-4FBE-810E-D0F42CFBB6D2}" type="datetimeFigureOut">
               <a:rPr lang="zh-CN" altLang="en-US" smtClean="0"/>
-              <a:t>2015/6/9</a:t>
+              <a:t>2015/6/18</a:t>
             </a:fld>
             <a:endParaRPr lang="zh-CN" altLang="en-US"/>
           </a:p>
@@ -1832,7 +1832,7 @@
           <a:p>
             <a:fld id="{9305D7AF-F472-4FBE-810E-D0F42CFBB6D2}" type="datetimeFigureOut">
               <a:rPr lang="zh-CN" altLang="en-US" smtClean="0"/>
-              <a:t>2015/6/9</a:t>
+              <a:t>2015/6/18</a:t>
             </a:fld>
             <a:endParaRPr lang="zh-CN" altLang="en-US"/>
           </a:p>
@@ -2109,7 +2109,7 @@
           <a:p>
             <a:fld id="{9305D7AF-F472-4FBE-810E-D0F42CFBB6D2}" type="datetimeFigureOut">
               <a:rPr lang="zh-CN" altLang="en-US" smtClean="0"/>
-              <a:t>2015/6/9</a:t>
+              <a:t>2015/6/18</a:t>
             </a:fld>
             <a:endParaRPr lang="zh-CN" altLang="en-US"/>
           </a:p>
@@ -2362,7 +2362,7 @@
           <a:p>
             <a:fld id="{9305D7AF-F472-4FBE-810E-D0F42CFBB6D2}" type="datetimeFigureOut">
               <a:rPr lang="zh-CN" altLang="en-US" smtClean="0"/>
-              <a:t>2015/6/9</a:t>
+              <a:t>2015/6/18</a:t>
             </a:fld>
             <a:endParaRPr lang="zh-CN" altLang="en-US"/>
           </a:p>
@@ -2575,7 +2575,7 @@
           <a:p>
             <a:fld id="{9305D7AF-F472-4FBE-810E-D0F42CFBB6D2}" type="datetimeFigureOut">
               <a:rPr lang="zh-CN" altLang="en-US" smtClean="0"/>
-              <a:t>2015/6/9</a:t>
+              <a:t>2015/6/18</a:t>
             </a:fld>
             <a:endParaRPr lang="zh-CN" altLang="en-US"/>
           </a:p>
@@ -4839,7 +4839,7 @@
         </p:nvGrpSpPr>
         <p:grpSpPr>
           <a:xfrm>
-            <a:off x="6340171" y="2919512"/>
+            <a:off x="6235996" y="2919512"/>
             <a:ext cx="1230958" cy="660955"/>
             <a:chOff x="6299192" y="967511"/>
             <a:chExt cx="1299408" cy="660955"/>
@@ -5020,7 +5020,7 @@
         </p:nvGrpSpPr>
         <p:grpSpPr>
           <a:xfrm>
-            <a:off x="4520076" y="2953947"/>
+            <a:off x="4624251" y="2953947"/>
             <a:ext cx="1230958" cy="660955"/>
             <a:chOff x="6299192" y="967511"/>
             <a:chExt cx="1299408" cy="660955"/>
